--- a/ms.pptx
+++ b/ms.pptx
@@ -1,6 +1,6 @@
 
 <file path=ppt/presentation.xml><?xml version="1.0" encoding="utf-8"?>
-<p:presentation xmlns:a="http://schemas.openxmlformats.org/drawingml/2006/main" xmlns:r="http://schemas.openxmlformats.org/officeDocument/2006/relationships" xmlns:p="http://schemas.openxmlformats.org/presentationml/2006/main" saveSubsetFonts="1">
+<p:presentation xmlns:a="http://schemas.openxmlformats.org/drawingml/2006/main" xmlns:r="http://schemas.openxmlformats.org/officeDocument/2006/relationships" xmlns:p="http://schemas.openxmlformats.org/presentationml/2006/main" embedTrueTypeFonts="1" saveSubsetFonts="1">
   <p:sldMasterIdLst>
     <p:sldMasterId id="2147483672" r:id="rId1"/>
   </p:sldMasterIdLst>
@@ -12,6 +12,29 @@
   </p:sldIdLst>
   <p:sldSz cx="12192000" cy="6858000"/>
   <p:notesSz cx="6858000" cy="9144000"/>
+  <p:embeddedFontLst>
+    <p:embeddedFont>
+      <p:font typeface="微软雅黑" panose="020B0503020204020204" pitchFamily="34" charset="-122"/>
+      <p:regular r:id="rId6"/>
+      <p:bold r:id="rId7"/>
+    </p:embeddedFont>
+    <p:embeddedFont>
+      <p:font typeface="微软雅黑 Light" panose="020B0502040204020203" pitchFamily="34" charset="-122"/>
+      <p:regular r:id="rId8"/>
+    </p:embeddedFont>
+    <p:embeddedFont>
+      <p:font typeface="Calibri" panose="020F0502020204030204" pitchFamily="34" charset="0"/>
+      <p:regular r:id="rId9"/>
+      <p:bold r:id="rId10"/>
+      <p:italic r:id="rId11"/>
+      <p:boldItalic r:id="rId12"/>
+    </p:embeddedFont>
+    <p:embeddedFont>
+      <p:font typeface="Calibri Light" panose="020F0302020204030204" pitchFamily="34" charset="0"/>
+      <p:regular r:id="rId13"/>
+      <p:italic r:id="rId14"/>
+    </p:embeddedFont>
+  </p:embeddedFontLst>
   <p:defaultTextStyle>
     <a:defPPr>
       <a:defRPr lang="en-US"/>
@@ -107,6 +130,11 @@
       </a:defRPr>
     </a:lvl9pPr>
   </p:defaultTextStyle>
+  <p:extLst>
+    <p:ext uri="{EFAFB233-063F-42B5-8137-9DF3F51BA10A}">
+      <p15:sldGuideLst xmlns:p15="http://schemas.microsoft.com/office/powerpoint/2012/main"/>
+    </p:ext>
+  </p:extLst>
 </p:presentation>
 </file>
 
@@ -241,7 +269,7 @@
           <a:p>
             <a:fld id="{EF8B0FA2-A819-4A37-804A-87EC897C2E44}" type="datetimeFigureOut">
               <a:rPr lang="zh-CN" altLang="en-US" smtClean="0"/>
-              <a:t>2023/9/10</a:t>
+              <a:t>2023/9/11</a:t>
             </a:fld>
             <a:endParaRPr lang="zh-CN" altLang="en-US"/>
           </a:p>
@@ -423,7 +451,7 @@
           <a:p>
             <a:fld id="{EF8B0FA2-A819-4A37-804A-87EC897C2E44}" type="datetimeFigureOut">
               <a:rPr lang="zh-CN" altLang="en-US" smtClean="0"/>
-              <a:t>2023/9/10</a:t>
+              <a:t>2023/9/11</a:t>
             </a:fld>
             <a:endParaRPr lang="zh-CN" altLang="en-US"/>
           </a:p>
@@ -615,7 +643,7 @@
           <a:p>
             <a:fld id="{EF8B0FA2-A819-4A37-804A-87EC897C2E44}" type="datetimeFigureOut">
               <a:rPr lang="zh-CN" altLang="en-US" smtClean="0"/>
-              <a:t>2023/9/10</a:t>
+              <a:t>2023/9/11</a:t>
             </a:fld>
             <a:endParaRPr lang="zh-CN" altLang="en-US"/>
           </a:p>
@@ -797,7 +825,7 @@
           <a:p>
             <a:fld id="{EF8B0FA2-A819-4A37-804A-87EC897C2E44}" type="datetimeFigureOut">
               <a:rPr lang="zh-CN" altLang="en-US" smtClean="0"/>
-              <a:t>2023/9/10</a:t>
+              <a:t>2023/9/11</a:t>
             </a:fld>
             <a:endParaRPr lang="zh-CN" altLang="en-US"/>
           </a:p>
@@ -1055,7 +1083,7 @@
           <a:p>
             <a:fld id="{EF8B0FA2-A819-4A37-804A-87EC897C2E44}" type="datetimeFigureOut">
               <a:rPr lang="zh-CN" altLang="en-US" smtClean="0"/>
-              <a:t>2023/9/10</a:t>
+              <a:t>2023/9/11</a:t>
             </a:fld>
             <a:endParaRPr lang="zh-CN" altLang="en-US"/>
           </a:p>
@@ -1299,7 +1327,7 @@
           <a:p>
             <a:fld id="{EF8B0FA2-A819-4A37-804A-87EC897C2E44}" type="datetimeFigureOut">
               <a:rPr lang="zh-CN" altLang="en-US" smtClean="0"/>
-              <a:t>2023/9/10</a:t>
+              <a:t>2023/9/11</a:t>
             </a:fld>
             <a:endParaRPr lang="zh-CN" altLang="en-US"/>
           </a:p>
@@ -1678,7 +1706,7 @@
           <a:p>
             <a:fld id="{EF8B0FA2-A819-4A37-804A-87EC897C2E44}" type="datetimeFigureOut">
               <a:rPr lang="zh-CN" altLang="en-US" smtClean="0"/>
-              <a:t>2023/9/10</a:t>
+              <a:t>2023/9/11</a:t>
             </a:fld>
             <a:endParaRPr lang="zh-CN" altLang="en-US"/>
           </a:p>
@@ -1808,7 +1836,7 @@
           <a:p>
             <a:fld id="{EF8B0FA2-A819-4A37-804A-87EC897C2E44}" type="datetimeFigureOut">
               <a:rPr lang="zh-CN" altLang="en-US" smtClean="0"/>
-              <a:t>2023/9/10</a:t>
+              <a:t>2023/9/11</a:t>
             </a:fld>
             <a:endParaRPr lang="zh-CN" altLang="en-US"/>
           </a:p>
@@ -1915,7 +1943,7 @@
           <a:p>
             <a:fld id="{EF8B0FA2-A819-4A37-804A-87EC897C2E44}" type="datetimeFigureOut">
               <a:rPr lang="zh-CN" altLang="en-US" smtClean="0"/>
-              <a:t>2023/9/10</a:t>
+              <a:t>2023/9/11</a:t>
             </a:fld>
             <a:endParaRPr lang="zh-CN" altLang="en-US"/>
           </a:p>
@@ -2204,7 +2232,7 @@
           <a:p>
             <a:fld id="{EF8B0FA2-A819-4A37-804A-87EC897C2E44}" type="datetimeFigureOut">
               <a:rPr lang="zh-CN" altLang="en-US" smtClean="0"/>
-              <a:t>2023/9/10</a:t>
+              <a:t>2023/9/11</a:t>
             </a:fld>
             <a:endParaRPr lang="zh-CN" altLang="en-US"/>
           </a:p>
@@ -2473,7 +2501,7 @@
           <a:p>
             <a:fld id="{EF8B0FA2-A819-4A37-804A-87EC897C2E44}" type="datetimeFigureOut">
               <a:rPr lang="zh-CN" altLang="en-US" smtClean="0"/>
-              <a:t>2023/9/10</a:t>
+              <a:t>2023/9/11</a:t>
             </a:fld>
             <a:endParaRPr lang="zh-CN" altLang="en-US"/>
           </a:p>
@@ -2698,7 +2726,7 @@
           <a:p>
             <a:fld id="{EF8B0FA2-A819-4A37-804A-87EC897C2E44}" type="datetimeFigureOut">
               <a:rPr lang="zh-CN" altLang="en-US" smtClean="0"/>
-              <a:t>2023/9/10</a:t>
+              <a:t>2023/9/11</a:t>
             </a:fld>
             <a:endParaRPr lang="zh-CN" altLang="en-US"/>
           </a:p>
@@ -3549,7 +3577,7 @@
   </p:clrMapOvr>
   <mc:AlternateContent xmlns:mc="http://schemas.openxmlformats.org/markup-compatibility/2006">
     <mc:Choice xmlns:p159="http://schemas.microsoft.com/office/powerpoint/2015/09/main" Requires="p159">
-      <p:transition xmlns:p14="http://schemas.microsoft.com/office/powerpoint/2010/main" spd="slow" p14:dur="2000">
+      <p:transition spd="slow">
         <p159:morph option="byWord"/>
       </p:transition>
     </mc:Choice>
